--- a/Powerpoints/mp1_part_3_powerpoint.pptx
+++ b/Powerpoints/mp1_part_3_powerpoint.pptx
@@ -264,7 +264,7 @@
           <a:p>
             <a:fld id="{3E188059-9AAA-48DC-89EE-5FBEEAFD7015}" type="datetimeFigureOut">
               <a:rPr lang="en-US" smtClean="0"/>
-              <a:t>10/4/24</a:t>
+              <a:t>10/10/2024</a:t>
             </a:fld>
             <a:endParaRPr lang="en-US"/>
           </a:p>
@@ -462,7 +462,7 @@
           <a:p>
             <a:fld id="{3E188059-9AAA-48DC-89EE-5FBEEAFD7015}" type="datetimeFigureOut">
               <a:rPr lang="en-US" smtClean="0"/>
-              <a:t>10/4/24</a:t>
+              <a:t>10/10/2024</a:t>
             </a:fld>
             <a:endParaRPr lang="en-US"/>
           </a:p>
@@ -670,7 +670,7 @@
           <a:p>
             <a:fld id="{3E188059-9AAA-48DC-89EE-5FBEEAFD7015}" type="datetimeFigureOut">
               <a:rPr lang="en-US" smtClean="0"/>
-              <a:t>10/4/24</a:t>
+              <a:t>10/10/2024</a:t>
             </a:fld>
             <a:endParaRPr lang="en-US"/>
           </a:p>
@@ -868,7 +868,7 @@
           <a:p>
             <a:fld id="{3E188059-9AAA-48DC-89EE-5FBEEAFD7015}" type="datetimeFigureOut">
               <a:rPr lang="en-US" smtClean="0"/>
-              <a:t>10/4/24</a:t>
+              <a:t>10/10/2024</a:t>
             </a:fld>
             <a:endParaRPr lang="en-US"/>
           </a:p>
@@ -1143,7 +1143,7 @@
           <a:p>
             <a:fld id="{3E188059-9AAA-48DC-89EE-5FBEEAFD7015}" type="datetimeFigureOut">
               <a:rPr lang="en-US" smtClean="0"/>
-              <a:t>10/4/24</a:t>
+              <a:t>10/10/2024</a:t>
             </a:fld>
             <a:endParaRPr lang="en-US"/>
           </a:p>
@@ -1408,7 +1408,7 @@
           <a:p>
             <a:fld id="{3E188059-9AAA-48DC-89EE-5FBEEAFD7015}" type="datetimeFigureOut">
               <a:rPr lang="en-US" smtClean="0"/>
-              <a:t>10/4/24</a:t>
+              <a:t>10/10/2024</a:t>
             </a:fld>
             <a:endParaRPr lang="en-US"/>
           </a:p>
@@ -1820,7 +1820,7 @@
           <a:p>
             <a:fld id="{3E188059-9AAA-48DC-89EE-5FBEEAFD7015}" type="datetimeFigureOut">
               <a:rPr lang="en-US" smtClean="0"/>
-              <a:t>10/4/24</a:t>
+              <a:t>10/10/2024</a:t>
             </a:fld>
             <a:endParaRPr lang="en-US"/>
           </a:p>
@@ -1961,7 +1961,7 @@
           <a:p>
             <a:fld id="{3E188059-9AAA-48DC-89EE-5FBEEAFD7015}" type="datetimeFigureOut">
               <a:rPr lang="en-US" smtClean="0"/>
-              <a:t>10/4/24</a:t>
+              <a:t>10/10/2024</a:t>
             </a:fld>
             <a:endParaRPr lang="en-US"/>
           </a:p>
@@ -2074,7 +2074,7 @@
           <a:p>
             <a:fld id="{3E188059-9AAA-48DC-89EE-5FBEEAFD7015}" type="datetimeFigureOut">
               <a:rPr lang="en-US" smtClean="0"/>
-              <a:t>10/4/24</a:t>
+              <a:t>10/10/2024</a:t>
             </a:fld>
             <a:endParaRPr lang="en-US"/>
           </a:p>
@@ -2385,7 +2385,7 @@
           <a:p>
             <a:fld id="{3E188059-9AAA-48DC-89EE-5FBEEAFD7015}" type="datetimeFigureOut">
               <a:rPr lang="en-US" smtClean="0"/>
-              <a:t>10/4/24</a:t>
+              <a:t>10/10/2024</a:t>
             </a:fld>
             <a:endParaRPr lang="en-US"/>
           </a:p>
@@ -2673,7 +2673,7 @@
           <a:p>
             <a:fld id="{3E188059-9AAA-48DC-89EE-5FBEEAFD7015}" type="datetimeFigureOut">
               <a:rPr lang="en-US" smtClean="0"/>
-              <a:t>10/4/24</a:t>
+              <a:t>10/10/2024</a:t>
             </a:fld>
             <a:endParaRPr lang="en-US"/>
           </a:p>
@@ -2914,7 +2914,7 @@
           <a:p>
             <a:fld id="{3E188059-9AAA-48DC-89EE-5FBEEAFD7015}" type="datetimeFigureOut">
               <a:rPr lang="en-US" smtClean="0"/>
-              <a:t>10/4/24</a:t>
+              <a:t>10/10/2024</a:t>
             </a:fld>
             <a:endParaRPr lang="en-US"/>
           </a:p>
@@ -3387,10 +3387,10 @@
       </p:sp>
       <p:sp>
         <p:nvSpPr>
-          <p:cNvPr id="3" name="Subtitle 2">
-            <a:extLst>
-              <a:ext uri="{FF2B5EF4-FFF2-40B4-BE49-F238E27FC236}">
-                <a16:creationId xmlns:a16="http://schemas.microsoft.com/office/drawing/2014/main" id="{2EB99350-515F-46E8-B587-7C3FE28E32C4}"/>
+          <p:cNvPr id="9" name="Subtitle 2">
+            <a:extLst>
+              <a:ext uri="{FF2B5EF4-FFF2-40B4-BE49-F238E27FC236}">
+                <a16:creationId xmlns:a16="http://schemas.microsoft.com/office/drawing/2014/main" id="{9FF7F123-A7BF-5FD4-77B4-E864052BD6C9}"/>
               </a:ext>
             </a:extLst>
           </p:cNvPr>
@@ -3401,56 +3401,50 @@
             <p:ph type="subTitle" idx="1"/>
           </p:nvPr>
         </p:nvSpPr>
-        <p:spPr/>
-        <p:txBody>
-          <a:bodyPr/>
+        <p:spPr>
+          <a:xfrm>
+            <a:off x="1054359" y="3602038"/>
+            <a:ext cx="10245011" cy="1655762"/>
+          </a:xfrm>
+        </p:spPr>
+        <p:txBody>
+          <a:bodyPr>
+            <a:normAutofit lnSpcReduction="10000"/>
+          </a:bodyPr>
           <a:lstStyle/>
           <a:p>
             <a:r>
               <a:rPr lang="en-US" altLang="zh-CN" dirty="0"/>
-              <a:t>Name1</a:t>
-            </a:r>
-            <a:r>
-              <a:rPr lang="zh-CN" altLang="en-US" dirty="0"/>
-              <a:t> </a:t>
+              <a:t>Zach Larson (zlarson2), Matthew Paul (mjpaul3), Maximo Rojas </a:t>
+            </a:r>
+            <a:r>
+              <a:rPr lang="en-US" altLang="zh-CN" dirty="0" err="1"/>
+              <a:t>Pelliccia</a:t>
             </a:r>
             <a:r>
               <a:rPr lang="en-US" altLang="zh-CN" dirty="0"/>
-              <a:t>(NetID1),</a:t>
-            </a:r>
-            <a:r>
-              <a:rPr lang="zh-CN" altLang="en-US" dirty="0"/>
-              <a:t> </a:t>
-            </a:r>
-            <a:r>
-              <a:rPr lang="en-US" altLang="zh-CN" dirty="0"/>
-              <a:t>Name2</a:t>
-            </a:r>
-            <a:r>
-              <a:rPr lang="zh-CN" altLang="en-US" dirty="0"/>
-              <a:t> </a:t>
-            </a:r>
-            <a:r>
-              <a:rPr lang="en-US" altLang="zh-CN" dirty="0"/>
-              <a:t>(NetID2),</a:t>
-            </a:r>
-            <a:r>
-              <a:rPr lang="zh-CN" altLang="en-US" dirty="0"/>
-              <a:t> </a:t>
-            </a:r>
-            <a:r>
-              <a:rPr lang="en-US" altLang="zh-CN" dirty="0"/>
-              <a:t>Name3</a:t>
-            </a:r>
-            <a:r>
-              <a:rPr lang="zh-CN" altLang="en-US" dirty="0"/>
-              <a:t> </a:t>
-            </a:r>
-            <a:r>
-              <a:rPr lang="en-US" altLang="zh-CN" dirty="0"/>
-              <a:t>(NetID3)</a:t>
-            </a:r>
-            <a:endParaRPr lang="en-US" dirty="0"/>
+              <a:t> (mgr9)</a:t>
+            </a:r>
+          </a:p>
+          <a:p>
+            <a:r>
+              <a:rPr lang="en-US" dirty="0"/>
+              <a:t>Note: small decimal numbers were rounded to 3 significant figures or the best representation.</a:t>
+            </a:r>
+          </a:p>
+          <a:p>
+            <a:r>
+              <a:rPr lang="en-US" dirty="0"/>
+              <a:t>For complete decimal numbers, refer to the </a:t>
+            </a:r>
+            <a:r>
+              <a:rPr lang="en-US" dirty="0" err="1"/>
+              <a:t>Jupyter</a:t>
+            </a:r>
+            <a:r>
+              <a:rPr lang="en-US" dirty="0"/>
+              <a:t> notebook.</a:t>
+            </a:r>
           </a:p>
         </p:txBody>
       </p:sp>
@@ -3499,7 +3493,7 @@
         <p:spPr>
           <a:xfrm>
             <a:off x="513729" y="1095875"/>
-            <a:ext cx="10720328" cy="6186309"/>
+            <a:ext cx="10720328" cy="7017306"/>
           </a:xfrm>
           <a:prstGeom prst="rect">
             <a:avLst/>
@@ -3535,7 +3529,10 @@
                 <a:spcPts val="0"/>
               </a:spcAft>
             </a:pPr>
-            <a:endParaRPr lang="en-US" b="1" dirty="0"/>
+            <a:endParaRPr lang="en-US" b="1" dirty="0">
+              <a:latin typeface="Arial" panose="020B0604020202020204" pitchFamily="34" charset="0"/>
+              <a:cs typeface="Arial" panose="020B0604020202020204" pitchFamily="34" charset="0"/>
+            </a:endParaRPr>
           </a:p>
           <a:p>
             <a:pPr marL="342900" indent="-342900" algn="just" rtl="0" fontAlgn="base">
@@ -3553,6 +3550,7 @@
                 <a:effectLst/>
                 <a:latin typeface="Arial" panose="020B0604020202020204" pitchFamily="34" charset="0"/>
                 <a:ea typeface="Arial" panose="020B0604020202020204" pitchFamily="34" charset="0"/>
+                <a:cs typeface="Arial" panose="020B0604020202020204" pitchFamily="34" charset="0"/>
               </a:rPr>
               <a:t>The probability of accident P(acc=1) across all weather conditions. </a:t>
             </a:r>
@@ -3571,6 +3569,41 @@
             <a:endParaRPr lang="en-US" dirty="0">
               <a:latin typeface="Arial" panose="020B0604020202020204" pitchFamily="34" charset="0"/>
               <a:ea typeface="Arial" panose="020B0604020202020204" pitchFamily="34" charset="0"/>
+              <a:cs typeface="Arial" panose="020B0604020202020204" pitchFamily="34" charset="0"/>
+            </a:endParaRPr>
+          </a:p>
+          <a:p>
+            <a:pPr lvl="1" algn="just" fontAlgn="base"/>
+            <a:r>
+              <a:rPr lang="en-US" b="0" i="0" dirty="0">
+                <a:effectLst/>
+                <a:latin typeface="Arial" panose="020B0604020202020204" pitchFamily="34" charset="0"/>
+                <a:cs typeface="Arial" panose="020B0604020202020204" pitchFamily="34" charset="0"/>
+              </a:rPr>
+              <a:t>P(acc=1): 0.0898989898989899</a:t>
+            </a:r>
+            <a:endParaRPr lang="en-US" dirty="0">
+              <a:effectLst/>
+              <a:latin typeface="Arial" panose="020B0604020202020204" pitchFamily="34" charset="0"/>
+              <a:ea typeface="Arial" panose="020B0604020202020204" pitchFamily="34" charset="0"/>
+              <a:cs typeface="Arial" panose="020B0604020202020204" pitchFamily="34" charset="0"/>
+            </a:endParaRPr>
+          </a:p>
+          <a:p>
+            <a:pPr marL="342900" indent="-342900" algn="just" rtl="0" fontAlgn="base">
+              <a:spcBef>
+                <a:spcPts val="0"/>
+              </a:spcBef>
+              <a:spcAft>
+                <a:spcPts val="0"/>
+              </a:spcAft>
+              <a:buFont typeface="+mj-lt"/>
+              <a:buAutoNum type="alphaLcPeriod"/>
+            </a:pPr>
+            <a:endParaRPr lang="en-US" dirty="0">
+              <a:latin typeface="Arial" panose="020B0604020202020204" pitchFamily="34" charset="0"/>
+              <a:ea typeface="Arial" panose="020B0604020202020204" pitchFamily="34" charset="0"/>
+              <a:cs typeface="Arial" panose="020B0604020202020204" pitchFamily="34" charset="0"/>
             </a:endParaRPr>
           </a:p>
           <a:p>
@@ -3588,6 +3621,7 @@
               <a:effectLst/>
               <a:latin typeface="Arial" panose="020B0604020202020204" pitchFamily="34" charset="0"/>
               <a:ea typeface="Arial" panose="020B0604020202020204" pitchFamily="34" charset="0"/>
+              <a:cs typeface="Arial" panose="020B0604020202020204" pitchFamily="34" charset="0"/>
             </a:endParaRPr>
           </a:p>
           <a:p>
@@ -3604,6 +3638,7 @@
             <a:endParaRPr lang="en-US" dirty="0">
               <a:latin typeface="Arial" panose="020B0604020202020204" pitchFamily="34" charset="0"/>
               <a:ea typeface="Arial" panose="020B0604020202020204" pitchFamily="34" charset="0"/>
+              <a:cs typeface="Arial" panose="020B0604020202020204" pitchFamily="34" charset="0"/>
             </a:endParaRPr>
           </a:p>
           <a:p>
@@ -3621,22 +3656,7 @@
               <a:effectLst/>
               <a:latin typeface="Arial" panose="020B0604020202020204" pitchFamily="34" charset="0"/>
               <a:ea typeface="Arial" panose="020B0604020202020204" pitchFamily="34" charset="0"/>
-            </a:endParaRPr>
-          </a:p>
-          <a:p>
-            <a:pPr marL="342900" indent="-342900" algn="just" rtl="0" fontAlgn="base">
-              <a:spcBef>
-                <a:spcPts val="0"/>
-              </a:spcBef>
-              <a:spcAft>
-                <a:spcPts val="0"/>
-              </a:spcAft>
-              <a:buFont typeface="+mj-lt"/>
-              <a:buAutoNum type="alphaLcPeriod"/>
-            </a:pPr>
-            <a:endParaRPr lang="en-US" dirty="0">
-              <a:latin typeface="Arial" panose="020B0604020202020204" pitchFamily="34" charset="0"/>
-              <a:ea typeface="Arial" panose="020B0604020202020204" pitchFamily="34" charset="0"/>
+              <a:cs typeface="Arial" panose="020B0604020202020204" pitchFamily="34" charset="0"/>
             </a:endParaRPr>
           </a:p>
           <a:p>
@@ -3654,6 +3674,7 @@
               <a:effectLst/>
               <a:latin typeface="Arial" panose="020B0604020202020204" pitchFamily="34" charset="0"/>
               <a:ea typeface="Arial" panose="020B0604020202020204" pitchFamily="34" charset="0"/>
+              <a:cs typeface="Arial" panose="020B0604020202020204" pitchFamily="34" charset="0"/>
             </a:endParaRPr>
           </a:p>
           <a:p>
@@ -3667,28 +3688,12 @@
               <a:buFont typeface="+mj-lt"/>
               <a:buAutoNum type="alphaLcPeriod"/>
             </a:pPr>
-            <a:endParaRPr lang="en-US" sz="1800" dirty="0">
-              <a:effectLst/>
-              <a:latin typeface="Arial" panose="020B0604020202020204" pitchFamily="34" charset="0"/>
-              <a:ea typeface="Arial" panose="020B0604020202020204" pitchFamily="34" charset="0"/>
-            </a:endParaRPr>
-          </a:p>
-          <a:p>
-            <a:pPr marL="342900" indent="-342900" algn="just" rtl="0" fontAlgn="base">
-              <a:spcBef>
-                <a:spcPts val="0"/>
-              </a:spcBef>
-              <a:spcAft>
-                <a:spcPts val="0"/>
-              </a:spcAft>
-              <a:buFont typeface="+mj-lt"/>
-              <a:buAutoNum type="alphaLcPeriod"/>
-            </a:pPr>
             <a:r>
               <a:rPr lang="en-US" sz="1800" dirty="0">
                 <a:effectLst/>
                 <a:latin typeface="Arial" panose="020B0604020202020204" pitchFamily="34" charset="0"/>
                 <a:ea typeface="Arial" panose="020B0604020202020204" pitchFamily="34" charset="0"/>
+                <a:cs typeface="Arial" panose="020B0604020202020204" pitchFamily="34" charset="0"/>
               </a:rPr>
               <a:t>The probability of an accident conditioned on the weather, (acc=1 | weather=?), for each weather condition. </a:t>
             </a:r>
@@ -3708,31 +3713,59 @@
               <a:effectLst/>
               <a:latin typeface="Arial" panose="020B0604020202020204" pitchFamily="34" charset="0"/>
               <a:ea typeface="Arial" panose="020B0604020202020204" pitchFamily="34" charset="0"/>
+              <a:cs typeface="Arial" panose="020B0604020202020204" pitchFamily="34" charset="0"/>
             </a:endParaRPr>
           </a:p>
           <a:p>
-            <a:pPr marL="342900" indent="-342900" algn="just" rtl="0" fontAlgn="base">
-              <a:spcBef>
-                <a:spcPts val="0"/>
-              </a:spcBef>
-              <a:spcAft>
-                <a:spcPts val="0"/>
-              </a:spcAft>
-              <a:buFont typeface="+mj-lt"/>
-              <a:buAutoNum type="alphaLcParenR" startAt="3"/>
-            </a:pPr>
+            <a:pPr lvl="1" algn="just" fontAlgn="base"/>
+            <a:r>
+              <a:rPr lang="en-US" b="0" i="0" dirty="0">
+                <a:effectLst/>
+                <a:latin typeface="Arial" panose="020B0604020202020204" pitchFamily="34" charset="0"/>
+                <a:cs typeface="Arial" panose="020B0604020202020204" pitchFamily="34" charset="0"/>
+              </a:rPr>
+              <a:t>P(acc = 1 | weather = clear) 0.008130081300813009 </a:t>
+            </a:r>
+          </a:p>
+          <a:p>
+            <a:pPr lvl="1" algn="just" fontAlgn="base"/>
+            <a:r>
+              <a:rPr lang="en-US" b="0" i="0" dirty="0">
+                <a:effectLst/>
+                <a:latin typeface="Arial" panose="020B0604020202020204" pitchFamily="34" charset="0"/>
+                <a:cs typeface="Arial" panose="020B0604020202020204" pitchFamily="34" charset="0"/>
+              </a:rPr>
+              <a:t>P(acc = 1 | weather = cloudy) 0.04251012145748988 </a:t>
+            </a:r>
+          </a:p>
+          <a:p>
+            <a:pPr lvl="1" algn="just" fontAlgn="base"/>
+            <a:r>
+              <a:rPr lang="en-US" b="0" i="0" dirty="0">
+                <a:effectLst/>
+                <a:latin typeface="Arial" panose="020B0604020202020204" pitchFamily="34" charset="0"/>
+                <a:cs typeface="Arial" panose="020B0604020202020204" pitchFamily="34" charset="0"/>
+              </a:rPr>
+              <a:t>P(acc = 1 | weather = rain) 0.12474849094567404 </a:t>
+            </a:r>
+          </a:p>
+          <a:p>
+            <a:pPr lvl="1" algn="just" fontAlgn="base"/>
+            <a:r>
+              <a:rPr lang="en-US" b="0" i="0" dirty="0">
+                <a:effectLst/>
+                <a:latin typeface="Arial" panose="020B0604020202020204" pitchFamily="34" charset="0"/>
+                <a:cs typeface="Arial" panose="020B0604020202020204" pitchFamily="34" charset="0"/>
+              </a:rPr>
+              <a:t>P(acc = 1 | weather = snow) 0.18309859154929578</a:t>
+            </a:r>
             <a:endParaRPr lang="en-US" dirty="0">
               <a:latin typeface="Arial" panose="020B0604020202020204" pitchFamily="34" charset="0"/>
+              <a:cs typeface="Arial" panose="020B0604020202020204" pitchFamily="34" charset="0"/>
             </a:endParaRPr>
           </a:p>
           <a:p>
-            <a:pPr marL="342900" indent="-342900" algn="just" rtl="0" fontAlgn="base">
-              <a:spcBef>
-                <a:spcPts val="0"/>
-              </a:spcBef>
-              <a:spcAft>
-                <a:spcPts val="0"/>
-              </a:spcAft>
+            <a:pPr marL="800100" lvl="1" indent="-342900" algn="just" fontAlgn="base">
               <a:buFont typeface="+mj-lt"/>
               <a:buAutoNum type="alphaLcParenR" startAt="3"/>
             </a:pPr>
@@ -3874,7 +3907,7 @@
         <p:spPr>
           <a:xfrm>
             <a:off x="513729" y="1095875"/>
-            <a:ext cx="10720328" cy="2585323"/>
+            <a:ext cx="10720328" cy="5078313"/>
           </a:xfrm>
           <a:prstGeom prst="rect">
             <a:avLst/>
@@ -3905,31 +3938,254 @@
                 <a:latin typeface="Arial" panose="020B0604020202020204" pitchFamily="34" charset="0"/>
                 <a:ea typeface="Arial" panose="020B0604020202020204" pitchFamily="34" charset="0"/>
               </a:rPr>
-              <a:t>The baseline simulated dataset contains accident information for snowy conditions and rainy conditions. In California it is sunny 80% of the time, rainy 5% of the time, snowy 2% of the time and cloudy the rest of the time. In Chicago, it is sunny 60% of the time, it rains 15% and it is snowy 20% of the time, and cloudy the rest of the time. Calculate the probability of an accident in the cut-in scenario for California and Chicago, respectively. Clearly state your assumptions and method</a:t>
+              <a:t>The baseline simulated dataset contains accident information for snowy conditions and rainy conditions. In California it is sunny 80% of the time, rainy 5% of the time, snowy 2% of the time and cloudy the </a:t>
+            </a:r>
+            <a:r>
+              <a:rPr lang="en-US" sz="1800" dirty="0">
+                <a:effectLst/>
+                <a:latin typeface="Arial" panose="020B0604020202020204" pitchFamily="34" charset="0"/>
+                <a:ea typeface="Arial" panose="020B0604020202020204" pitchFamily="34" charset="0"/>
+                <a:cs typeface="Arial" panose="020B0604020202020204" pitchFamily="34" charset="0"/>
+              </a:rPr>
+              <a:t>rest of the time. In Chicago, it is sunny 60% of the time, it rains 15% and it is snowy 20% of the time, and cloudy the rest of the time. Calculate the probability of an accident in the cut-in scenario for California and Chicago, respectively. Clearly state your assumptions and method</a:t>
             </a:r>
             <a:r>
               <a:rPr lang="en-US" dirty="0">
                 <a:effectLst/>
+                <a:latin typeface="Arial" panose="020B0604020202020204" pitchFamily="34" charset="0"/>
+                <a:cs typeface="Arial" panose="020B0604020202020204" pitchFamily="34" charset="0"/>
               </a:rPr>
               <a:t> </a:t>
             </a:r>
           </a:p>
           <a:p>
-            <a:endParaRPr lang="en-US" dirty="0"/>
+            <a:endParaRPr lang="en-US" dirty="0">
+              <a:latin typeface="Arial" panose="020B0604020202020204" pitchFamily="34" charset="0"/>
+              <a:cs typeface="Arial" panose="020B0604020202020204" pitchFamily="34" charset="0"/>
+            </a:endParaRPr>
           </a:p>
           <a:p>
             <a:pPr marL="285750" indent="-285750">
               <a:buFont typeface="Arial" panose="020B0604020202020204" pitchFamily="34" charset="0"/>
               <a:buChar char="•"/>
             </a:pPr>
-            <a:endParaRPr lang="en-US" dirty="0"/>
+            <a:endParaRPr lang="en-US" dirty="0">
+              <a:latin typeface="Arial" panose="020B0604020202020204" pitchFamily="34" charset="0"/>
+              <a:cs typeface="Arial" panose="020B0604020202020204" pitchFamily="34" charset="0"/>
+            </a:endParaRPr>
           </a:p>
           <a:p>
             <a:pPr marL="285750" indent="-285750">
               <a:buFont typeface="Arial" panose="020B0604020202020204" pitchFamily="34" charset="0"/>
               <a:buChar char="•"/>
             </a:pPr>
-            <a:endParaRPr lang="en-US" dirty="0"/>
+            <a:r>
+              <a:rPr lang="en-US" dirty="0">
+                <a:latin typeface="Arial" panose="020B0604020202020204" pitchFamily="34" charset="0"/>
+                <a:cs typeface="Arial" panose="020B0604020202020204" pitchFamily="34" charset="0"/>
+              </a:rPr>
+              <a:t>Assumptions:</a:t>
+            </a:r>
+          </a:p>
+          <a:p>
+            <a:pPr marL="742950" lvl="1" indent="-285750">
+              <a:buFont typeface="Arial" panose="020B0604020202020204" pitchFamily="34" charset="0"/>
+              <a:buChar char="•"/>
+            </a:pPr>
+            <a:r>
+              <a:rPr lang="en-US" dirty="0">
+                <a:latin typeface="Arial" panose="020B0604020202020204" pitchFamily="34" charset="0"/>
+                <a:cs typeface="Arial" panose="020B0604020202020204" pitchFamily="34" charset="0"/>
+              </a:rPr>
+              <a:t>Assuming prior probabilities are accurate</a:t>
+            </a:r>
+          </a:p>
+          <a:p>
+            <a:pPr marL="742950" lvl="1" indent="-285750">
+              <a:buFont typeface="Arial" panose="020B0604020202020204" pitchFamily="34" charset="0"/>
+              <a:buChar char="•"/>
+            </a:pPr>
+            <a:r>
+              <a:rPr lang="en-US" dirty="0">
+                <a:latin typeface="Arial" panose="020B0604020202020204" pitchFamily="34" charset="0"/>
+                <a:cs typeface="Arial" panose="020B0604020202020204" pitchFamily="34" charset="0"/>
+              </a:rPr>
+              <a:t>Assuming exactly one weather condition can be occurring at any time</a:t>
+            </a:r>
+          </a:p>
+          <a:p>
+            <a:pPr marL="742950" lvl="1" indent="-285750">
+              <a:buFont typeface="Arial" panose="020B0604020202020204" pitchFamily="34" charset="0"/>
+              <a:buChar char="•"/>
+            </a:pPr>
+            <a:endParaRPr lang="en-US" dirty="0">
+              <a:latin typeface="Arial" panose="020B0604020202020204" pitchFamily="34" charset="0"/>
+              <a:cs typeface="Arial" panose="020B0604020202020204" pitchFamily="34" charset="0"/>
+            </a:endParaRPr>
+          </a:p>
+          <a:p>
+            <a:pPr marL="285750" indent="-285750">
+              <a:buFont typeface="Arial" panose="020B0604020202020204" pitchFamily="34" charset="0"/>
+              <a:buChar char="•"/>
+            </a:pPr>
+            <a:r>
+              <a:rPr lang="en-US" dirty="0">
+                <a:latin typeface="Arial" panose="020B0604020202020204" pitchFamily="34" charset="0"/>
+                <a:cs typeface="Arial" panose="020B0604020202020204" pitchFamily="34" charset="0"/>
+              </a:rPr>
+              <a:t>Method</a:t>
+            </a:r>
+          </a:p>
+          <a:p>
+            <a:pPr marL="742950" lvl="1" indent="-285750">
+              <a:buFont typeface="Arial" panose="020B0604020202020204" pitchFamily="34" charset="0"/>
+              <a:buChar char="•"/>
+            </a:pPr>
+            <a:r>
+              <a:rPr lang="en-US" dirty="0">
+                <a:latin typeface="Arial" panose="020B0604020202020204" pitchFamily="34" charset="0"/>
+                <a:cs typeface="Arial" panose="020B0604020202020204" pitchFamily="34" charset="0"/>
+              </a:rPr>
+              <a:t>Law of Total Probability: </a:t>
+            </a:r>
+            <a:r>
+              <a:rPr lang="en-US" b="0" dirty="0">
+                <a:effectLst/>
+                <a:latin typeface="Arial" panose="020B0604020202020204" pitchFamily="34" charset="0"/>
+                <a:cs typeface="Arial" panose="020B0604020202020204" pitchFamily="34" charset="0"/>
+              </a:rPr>
+              <a:t>P(acc) = P(clear)</a:t>
+            </a:r>
+            <a:r>
+              <a:rPr lang="en-US" b="0" i="1" dirty="0">
+                <a:effectLst/>
+                <a:latin typeface="Arial" panose="020B0604020202020204" pitchFamily="34" charset="0"/>
+                <a:cs typeface="Arial" panose="020B0604020202020204" pitchFamily="34" charset="0"/>
+              </a:rPr>
+              <a:t>*P(</a:t>
+            </a:r>
+            <a:r>
+              <a:rPr lang="en-US" b="0" i="1" dirty="0" err="1">
+                <a:effectLst/>
+                <a:latin typeface="Arial" panose="020B0604020202020204" pitchFamily="34" charset="0"/>
+                <a:cs typeface="Arial" panose="020B0604020202020204" pitchFamily="34" charset="0"/>
+              </a:rPr>
+              <a:t>acc|clear</a:t>
+            </a:r>
+            <a:r>
+              <a:rPr lang="en-US" b="0" i="1" dirty="0">
+                <a:effectLst/>
+                <a:latin typeface="Arial" panose="020B0604020202020204" pitchFamily="34" charset="0"/>
+                <a:cs typeface="Arial" panose="020B0604020202020204" pitchFamily="34" charset="0"/>
+              </a:rPr>
+              <a:t>) + P(cloudy)*</a:t>
+            </a:r>
+            <a:r>
+              <a:rPr lang="en-US" b="0" dirty="0">
+                <a:effectLst/>
+                <a:latin typeface="Arial" panose="020B0604020202020204" pitchFamily="34" charset="0"/>
+                <a:cs typeface="Arial" panose="020B0604020202020204" pitchFamily="34" charset="0"/>
+              </a:rPr>
+              <a:t>P(</a:t>
+            </a:r>
+            <a:r>
+              <a:rPr lang="en-US" b="0" dirty="0" err="1">
+                <a:effectLst/>
+                <a:latin typeface="Arial" panose="020B0604020202020204" pitchFamily="34" charset="0"/>
+                <a:cs typeface="Arial" panose="020B0604020202020204" pitchFamily="34" charset="0"/>
+              </a:rPr>
+              <a:t>acc|cloudy</a:t>
+            </a:r>
+            <a:r>
+              <a:rPr lang="en-US" b="0" dirty="0">
+                <a:effectLst/>
+                <a:latin typeface="Arial" panose="020B0604020202020204" pitchFamily="34" charset="0"/>
+                <a:cs typeface="Arial" panose="020B0604020202020204" pitchFamily="34" charset="0"/>
+              </a:rPr>
+              <a:t>) + P(rain)</a:t>
+            </a:r>
+            <a:r>
+              <a:rPr lang="en-US" b="0" i="1" dirty="0">
+                <a:effectLst/>
+                <a:latin typeface="Arial" panose="020B0604020202020204" pitchFamily="34" charset="0"/>
+                <a:cs typeface="Arial" panose="020B0604020202020204" pitchFamily="34" charset="0"/>
+              </a:rPr>
+              <a:t>*P(</a:t>
+            </a:r>
+            <a:r>
+              <a:rPr lang="en-US" b="0" i="1" dirty="0" err="1">
+                <a:effectLst/>
+                <a:latin typeface="Arial" panose="020B0604020202020204" pitchFamily="34" charset="0"/>
+                <a:cs typeface="Arial" panose="020B0604020202020204" pitchFamily="34" charset="0"/>
+              </a:rPr>
+              <a:t>acc|rain</a:t>
+            </a:r>
+            <a:r>
+              <a:rPr lang="en-US" b="0" i="1" dirty="0">
+                <a:effectLst/>
+                <a:latin typeface="Arial" panose="020B0604020202020204" pitchFamily="34" charset="0"/>
+                <a:cs typeface="Arial" panose="020B0604020202020204" pitchFamily="34" charset="0"/>
+              </a:rPr>
+              <a:t>) + P(snow)*</a:t>
+            </a:r>
+            <a:r>
+              <a:rPr lang="en-US" b="0" dirty="0">
+                <a:effectLst/>
+                <a:latin typeface="Arial" panose="020B0604020202020204" pitchFamily="34" charset="0"/>
+                <a:cs typeface="Arial" panose="020B0604020202020204" pitchFamily="34" charset="0"/>
+              </a:rPr>
+              <a:t>P(</a:t>
+            </a:r>
+            <a:r>
+              <a:rPr lang="en-US" b="0" dirty="0" err="1">
+                <a:effectLst/>
+                <a:latin typeface="Arial" panose="020B0604020202020204" pitchFamily="34" charset="0"/>
+                <a:cs typeface="Arial" panose="020B0604020202020204" pitchFamily="34" charset="0"/>
+              </a:rPr>
+              <a:t>acc|snow</a:t>
+            </a:r>
+            <a:r>
+              <a:rPr lang="en-US" b="0" dirty="0">
+                <a:effectLst/>
+                <a:latin typeface="Arial" panose="020B0604020202020204" pitchFamily="34" charset="0"/>
+                <a:cs typeface="Arial" panose="020B0604020202020204" pitchFamily="34" charset="0"/>
+              </a:rPr>
+              <a:t>)</a:t>
+            </a:r>
+          </a:p>
+          <a:p>
+            <a:pPr marL="742950" lvl="1" indent="-285750">
+              <a:buFont typeface="Arial" panose="020B0604020202020204" pitchFamily="34" charset="0"/>
+              <a:buChar char="•"/>
+            </a:pPr>
+            <a:endParaRPr lang="en-US" dirty="0">
+              <a:latin typeface="Arial" panose="020B0604020202020204" pitchFamily="34" charset="0"/>
+              <a:cs typeface="Arial" panose="020B0604020202020204" pitchFamily="34" charset="0"/>
+            </a:endParaRPr>
+          </a:p>
+          <a:p>
+            <a:r>
+              <a:rPr lang="en-US" b="0" i="0" dirty="0">
+                <a:effectLst/>
+                <a:latin typeface="Arial" panose="020B0604020202020204" pitchFamily="34" charset="0"/>
+                <a:cs typeface="Arial" panose="020B0604020202020204" pitchFamily="34" charset="0"/>
+              </a:rPr>
+              <a:t>P(acc = 1) in California: 0.02192977720839371 </a:t>
+            </a:r>
+          </a:p>
+          <a:p>
+            <a:r>
+              <a:rPr lang="en-US" b="0" i="0" dirty="0">
+                <a:effectLst/>
+                <a:latin typeface="Arial" panose="020B0604020202020204" pitchFamily="34" charset="0"/>
+                <a:cs typeface="Arial" panose="020B0604020202020204" pitchFamily="34" charset="0"/>
+              </a:rPr>
+              <a:t>P(acc = 1) in Chicago: 0.062335546805072556</a:t>
+            </a:r>
+            <a:endParaRPr lang="en-US" dirty="0">
+              <a:latin typeface="Arial" panose="020B0604020202020204" pitchFamily="34" charset="0"/>
+              <a:cs typeface="Arial" panose="020B0604020202020204" pitchFamily="34" charset="0"/>
+            </a:endParaRPr>
           </a:p>
           <a:p>
             <a:pPr marL="285750" indent="-285750">
@@ -4018,7 +4274,7 @@
         <p:spPr>
           <a:xfrm>
             <a:off x="513729" y="1095875"/>
-            <a:ext cx="10720328" cy="5355312"/>
+            <a:ext cx="10720328" cy="6463308"/>
           </a:xfrm>
           <a:prstGeom prst="rect">
             <a:avLst/>
@@ -4094,27 +4350,25 @@
               </a:rPr>
               <a:t>How would you make a reasonable comparison between the probability of an accident of the simulated dataset and the real dataset in this case? </a:t>
             </a:r>
-          </a:p>
-          <a:p>
-            <a:pPr marL="857250" lvl="1" indent="-400050" algn="just" fontAlgn="base">
-              <a:buFont typeface="+mj-lt"/>
-              <a:buAutoNum type="romanLcPeriod"/>
-            </a:pPr>
-            <a:endParaRPr lang="en-US" dirty="0">
-              <a:latin typeface="Arial" panose="020B0604020202020204" pitchFamily="34" charset="0"/>
-              <a:ea typeface="Arial" panose="020B0604020202020204" pitchFamily="34" charset="0"/>
+            <a:endParaRPr lang="en-US" b="0" dirty="0">
+              <a:solidFill>
+                <a:srgbClr val="D4D4D4"/>
+              </a:solidFill>
+              <a:effectLst/>
+              <a:latin typeface="Consolas" panose="020B0609020204030204" pitchFamily="49" charset="0"/>
             </a:endParaRPr>
           </a:p>
           <a:p>
-            <a:pPr lvl="1" algn="just" fontAlgn="base"/>
-            <a:endParaRPr lang="en-US" dirty="0">
-              <a:latin typeface="Arial" panose="020B0604020202020204" pitchFamily="34" charset="0"/>
-              <a:ea typeface="Arial" panose="020B0604020202020204" pitchFamily="34" charset="0"/>
-            </a:endParaRPr>
-          </a:p>
-          <a:p>
-            <a:pPr lvl="1" algn="just" fontAlgn="base"/>
-            <a:endParaRPr lang="en-US" dirty="0">
+            <a:pPr algn="just" fontAlgn="base"/>
+            <a:r>
+              <a:rPr lang="en-US" b="1" dirty="0">
+                <a:effectLst/>
+                <a:latin typeface="Arial" panose="020B0604020202020204" pitchFamily="34" charset="0"/>
+                <a:cs typeface="Arial" panose="020B0604020202020204" pitchFamily="34" charset="0"/>
+              </a:rPr>
+              <a:t>To make a more reasonable comparison, we can remove rain and snow data points from simulated dataset.</a:t>
+            </a:r>
+            <a:endParaRPr lang="en-US" b="1" dirty="0">
               <a:effectLst/>
               <a:latin typeface="Arial" panose="020B0604020202020204" pitchFamily="34" charset="0"/>
               <a:ea typeface="Arial" panose="020B0604020202020204" pitchFamily="34" charset="0"/>
@@ -4140,10 +4394,56 @@
               <a:t> </a:t>
             </a:r>
             <a:endParaRPr lang="en-US" dirty="0">
-              <a:effectLst/>
               <a:latin typeface="Arial" panose="020B0604020202020204" pitchFamily="34" charset="0"/>
-              <a:ea typeface="Arial" panose="020B0604020202020204" pitchFamily="34" charset="0"/>
             </a:endParaRPr>
+          </a:p>
+          <a:p>
+            <a:pPr algn="just" rtl="0" fontAlgn="base">
+              <a:spcBef>
+                <a:spcPts val="0"/>
+              </a:spcBef>
+              <a:spcAft>
+                <a:spcPts val="0"/>
+              </a:spcAft>
+            </a:pPr>
+            <a:r>
+              <a:rPr lang="en-US" b="1" dirty="0">
+                <a:latin typeface="Arial" panose="020B0604020202020204" pitchFamily="34" charset="0"/>
+              </a:rPr>
+              <a:t>Real dataset accident rate 0.0011511258263112764</a:t>
+            </a:r>
+          </a:p>
+          <a:p>
+            <a:pPr algn="just" rtl="0" fontAlgn="base">
+              <a:spcBef>
+                <a:spcPts val="0"/>
+              </a:spcBef>
+              <a:spcAft>
+                <a:spcPts val="0"/>
+              </a:spcAft>
+            </a:pPr>
+            <a:r>
+              <a:rPr lang="en-US" b="1" dirty="0">
+                <a:latin typeface="Arial" panose="020B0604020202020204" pitchFamily="34" charset="0"/>
+              </a:rPr>
+              <a:t>Simulated dataset accident rate 0.01293589336572483</a:t>
+            </a:r>
+          </a:p>
+          <a:p>
+            <a:pPr algn="just" rtl="0" fontAlgn="base">
+              <a:spcBef>
+                <a:spcPts val="0"/>
+              </a:spcBef>
+              <a:spcAft>
+                <a:spcPts val="0"/>
+              </a:spcAft>
+            </a:pPr>
+            <a:r>
+              <a:rPr lang="en-US" b="1" dirty="0">
+                <a:latin typeface="Arial" panose="020B0604020202020204" pitchFamily="34" charset="0"/>
+              </a:rPr>
+              <a:t>The simulated probability is about 10x higher</a:t>
+            </a:r>
           </a:p>
           <a:p>
             <a:pPr marL="342900" indent="-342900" algn="just" rtl="0" fontAlgn="base">
@@ -4169,36 +4469,6 @@
                 <a:spcPts val="0"/>
               </a:spcAft>
               <a:buFont typeface="+mj-lt"/>
-              <a:buAutoNum type="alphaLcParenR" startAt="3"/>
-            </a:pPr>
-            <a:endParaRPr lang="en-US" dirty="0">
-              <a:latin typeface="Arial" panose="020B0604020202020204" pitchFamily="34" charset="0"/>
-            </a:endParaRPr>
-          </a:p>
-          <a:p>
-            <a:pPr marL="342900" indent="-342900" algn="just" rtl="0" fontAlgn="base">
-              <a:spcBef>
-                <a:spcPts val="0"/>
-              </a:spcBef>
-              <a:spcAft>
-                <a:spcPts val="0"/>
-              </a:spcAft>
-              <a:buFont typeface="+mj-lt"/>
-              <a:buAutoNum type="alphaLcParenR" startAt="3"/>
-            </a:pPr>
-            <a:endParaRPr lang="en-US" dirty="0">
-              <a:latin typeface="Arial" panose="020B0604020202020204" pitchFamily="34" charset="0"/>
-            </a:endParaRPr>
-          </a:p>
-          <a:p>
-            <a:pPr marL="342900" indent="-342900" algn="just" rtl="0" fontAlgn="base">
-              <a:spcBef>
-                <a:spcPts val="0"/>
-              </a:spcBef>
-              <a:spcAft>
-                <a:spcPts val="0"/>
-              </a:spcAft>
-              <a:buFont typeface="+mj-lt"/>
               <a:buAutoNum type="alphaLcPeriod" startAt="2"/>
             </a:pPr>
             <a:r>
@@ -4290,11 +4560,27 @@
             <a:endParaRPr lang="en-US" dirty="0"/>
           </a:p>
           <a:p>
-            <a:pPr marL="285750" indent="-285750">
-              <a:buFont typeface="Arial" panose="020B0604020202020204" pitchFamily="34" charset="0"/>
-              <a:buChar char="•"/>
-            </a:pPr>
             <a:endParaRPr lang="en-US" dirty="0"/>
+          </a:p>
+          <a:p>
+            <a:r>
+              <a:rPr lang="en-US" b="1" dirty="0"/>
+              <a:t>Binomial: P = 1 - (p^0 * (1-p)^k)</a:t>
+            </a:r>
+          </a:p>
+          <a:p>
+            <a:r>
+              <a:rPr lang="en-US" b="1" dirty="0"/>
+              <a:t>We chose to use a binomial distribution to model the k cut-in scenario because for each cut-in, 1 - p is the probability for no accident. Thus, to get the total probability, we raise this value to the k-</a:t>
+            </a:r>
+            <a:r>
+              <a:rPr lang="en-US" b="1" dirty="0" err="1"/>
+              <a:t>th</a:t>
+            </a:r>
+            <a:r>
+              <a:rPr lang="en-US" b="1" dirty="0"/>
+              <a:t> power and subtract it from 1.</a:t>
+            </a:r>
           </a:p>
           <a:p>
             <a:pPr marL="285750" indent="-285750">
@@ -4397,7 +4683,7 @@
         <p:spPr>
           <a:xfrm>
             <a:off x="513729" y="1095875"/>
-            <a:ext cx="10720328" cy="3693319"/>
+            <a:ext cx="10720328" cy="6186309"/>
           </a:xfrm>
           <a:prstGeom prst="rect">
             <a:avLst/>
@@ -4486,9 +4772,12 @@
                 <a:spcPts val="0"/>
               </a:spcAft>
             </a:pPr>
-            <a:endParaRPr lang="en-US" dirty="0">
-              <a:latin typeface="Arial" panose="020B0604020202020204" pitchFamily="34" charset="0"/>
-            </a:endParaRPr>
+            <a:r>
+              <a:rPr lang="en-US" b="1" dirty="0">
+                <a:latin typeface="Arial" panose="020B0604020202020204" pitchFamily="34" charset="0"/>
+              </a:rPr>
+              <a:t>One reason for the difference is that the real world probability is calculated with an arbitrary reaction time. It also has the assumption that disengagement + slow reaction ==&gt; accident (always). Also the prior weather probabilities in the simulation probably do not match up with the real world weather probabilities. Finally, the simulation had equal distribution of weather conditions which was not the case for the real world data (~80% cloudy and ~20% clear).</a:t>
+            </a:r>
           </a:p>
           <a:p>
             <a:pPr marL="342900" indent="-342900" algn="just" rtl="0" fontAlgn="base">
@@ -4545,7 +4834,48 @@
               </a:rPr>
               <a:t> </a:t>
             </a:r>
+          </a:p>
+          <a:p>
+            <a:pPr marL="342900" indent="-342900" algn="just" rtl="0" fontAlgn="base">
+              <a:spcBef>
+                <a:spcPts val="0"/>
+              </a:spcBef>
+              <a:spcAft>
+                <a:spcPts val="0"/>
+              </a:spcAft>
+              <a:buFont typeface="+mj-lt"/>
+              <a:buAutoNum type="alphaLcPeriod" startAt="4"/>
+            </a:pPr>
+            <a:endParaRPr lang="en-US" b="1" dirty="0"/>
+          </a:p>
+          <a:p>
+            <a:pPr algn="just" rtl="0" fontAlgn="base">
+              <a:spcBef>
+                <a:spcPts val="0"/>
+              </a:spcBef>
+              <a:spcAft>
+                <a:spcPts val="0"/>
+              </a:spcAft>
+            </a:pPr>
+            <a:r>
+              <a:rPr lang="en-US" b="1" dirty="0"/>
+              <a:t>Pros:  Simulation accounts for more varied weather conditions ; Easier to generate simulation data ; We can control other variables when collecting data.</a:t>
+            </a:r>
             <a:endParaRPr lang="en-US" dirty="0"/>
+          </a:p>
+          <a:p>
+            <a:pPr algn="just" rtl="0" fontAlgn="base">
+              <a:spcBef>
+                <a:spcPts val="0"/>
+              </a:spcBef>
+              <a:spcAft>
+                <a:spcPts val="0"/>
+              </a:spcAft>
+            </a:pPr>
+            <a:r>
+              <a:rPr lang="en-US" b="1" dirty="0"/>
+              <a:t>Cons:  Not directly translatable to real world scenario ; Inaccurate due to model assumptions that are not present in real world.</a:t>
+            </a:r>
           </a:p>
           <a:p>
             <a:pPr marL="285750" indent="-285750">
@@ -4648,7 +4978,7 @@
         <p:spPr>
           <a:xfrm>
             <a:off x="513729" y="1095875"/>
-            <a:ext cx="10720328" cy="2585323"/>
+            <a:ext cx="10720328" cy="4524315"/>
           </a:xfrm>
           <a:prstGeom prst="rect">
             <a:avLst/>
@@ -4705,17 +5035,117 @@
             <a:endParaRPr lang="en-US" dirty="0"/>
           </a:p>
           <a:p>
-            <a:pPr marL="285750" indent="-285750">
-              <a:buFont typeface="Arial" panose="020B0604020202020204" pitchFamily="34" charset="0"/>
-              <a:buChar char="•"/>
-            </a:pPr>
-            <a:endParaRPr lang="en-US" dirty="0"/>
-          </a:p>
-          <a:p>
-            <a:pPr marL="285750" indent="-285750">
-              <a:buFont typeface="Arial" panose="020B0604020202020204" pitchFamily="34" charset="0"/>
-              <a:buChar char="•"/>
-            </a:pPr>
+            <a:r>
+              <a:rPr lang="en-US" b="0" dirty="0">
+                <a:effectLst/>
+                <a:latin typeface="Arial" panose="020B0604020202020204" pitchFamily="34" charset="0"/>
+                <a:cs typeface="Arial" panose="020B0604020202020204" pitchFamily="34" charset="0"/>
+              </a:rPr>
+              <a:t>Matthew Paul</a:t>
+            </a:r>
+          </a:p>
+          <a:p>
+            <a:r>
+              <a:rPr lang="en-US" dirty="0">
+                <a:latin typeface="Arial" panose="020B0604020202020204" pitchFamily="34" charset="0"/>
+                <a:cs typeface="Arial" panose="020B0604020202020204" pitchFamily="34" charset="0"/>
+              </a:rPr>
+              <a:t>- </a:t>
+            </a:r>
+            <a:r>
+              <a:rPr lang="en-US" b="0" dirty="0">
+                <a:effectLst/>
+                <a:latin typeface="Arial" panose="020B0604020202020204" pitchFamily="34" charset="0"/>
+                <a:cs typeface="Arial" panose="020B0604020202020204" pitchFamily="34" charset="0"/>
+              </a:rPr>
+              <a:t>Be more clear in part 1 which parts of the dataset to use in each question.</a:t>
+            </a:r>
+          </a:p>
+          <a:p>
+            <a:br>
+              <a:rPr lang="en-US" b="0" dirty="0">
+                <a:effectLst/>
+                <a:latin typeface="Arial" panose="020B0604020202020204" pitchFamily="34" charset="0"/>
+                <a:cs typeface="Arial" panose="020B0604020202020204" pitchFamily="34" charset="0"/>
+              </a:rPr>
+            </a:br>
+            <a:r>
+              <a:rPr lang="en-US" b="0" dirty="0">
+                <a:effectLst/>
+                <a:latin typeface="Arial" panose="020B0604020202020204" pitchFamily="34" charset="0"/>
+                <a:cs typeface="Arial" panose="020B0604020202020204" pitchFamily="34" charset="0"/>
+              </a:rPr>
+              <a:t>Zach Larson</a:t>
+            </a:r>
+          </a:p>
+          <a:p>
+            <a:r>
+              <a:rPr lang="en-US" dirty="0">
+                <a:latin typeface="Arial" panose="020B0604020202020204" pitchFamily="34" charset="0"/>
+                <a:cs typeface="Arial" panose="020B0604020202020204" pitchFamily="34" charset="0"/>
+              </a:rPr>
+              <a:t>- </a:t>
+            </a:r>
+            <a:r>
+              <a:rPr lang="en-US" b="0" dirty="0">
+                <a:effectLst/>
+                <a:latin typeface="Arial" panose="020B0604020202020204" pitchFamily="34" charset="0"/>
+                <a:cs typeface="Arial" panose="020B0604020202020204" pitchFamily="34" charset="0"/>
+              </a:rPr>
+              <a:t>Give </a:t>
+            </a:r>
+            <a:r>
+              <a:rPr lang="en-US" b="0" dirty="0" err="1">
+                <a:effectLst/>
+                <a:latin typeface="Arial" panose="020B0604020202020204" pitchFamily="34" charset="0"/>
+                <a:cs typeface="Arial" panose="020B0604020202020204" pitchFamily="34" charset="0"/>
+              </a:rPr>
+              <a:t>recomended</a:t>
+            </a:r>
+            <a:r>
+              <a:rPr lang="en-US" b="0" dirty="0">
+                <a:effectLst/>
+                <a:latin typeface="Arial" panose="020B0604020202020204" pitchFamily="34" charset="0"/>
+                <a:cs typeface="Arial" panose="020B0604020202020204" pitchFamily="34" charset="0"/>
+              </a:rPr>
+              <a:t> resources and libraries.</a:t>
+            </a:r>
+          </a:p>
+          <a:p>
+            <a:br>
+              <a:rPr lang="en-US" b="0" dirty="0">
+                <a:effectLst/>
+                <a:latin typeface="Arial" panose="020B0604020202020204" pitchFamily="34" charset="0"/>
+                <a:cs typeface="Arial" panose="020B0604020202020204" pitchFamily="34" charset="0"/>
+              </a:rPr>
+            </a:br>
+            <a:r>
+              <a:rPr lang="en-US" b="0" dirty="0">
+                <a:effectLst/>
+                <a:latin typeface="Arial" panose="020B0604020202020204" pitchFamily="34" charset="0"/>
+                <a:cs typeface="Arial" panose="020B0604020202020204" pitchFamily="34" charset="0"/>
+              </a:rPr>
+              <a:t>Máximo Rojas</a:t>
+            </a:r>
+          </a:p>
+          <a:p>
+            <a:r>
+              <a:rPr lang="en-US" dirty="0">
+                <a:latin typeface="Arial" panose="020B0604020202020204" pitchFamily="34" charset="0"/>
+                <a:cs typeface="Arial" panose="020B0604020202020204" pitchFamily="34" charset="0"/>
+              </a:rPr>
+              <a:t>- </a:t>
+            </a:r>
+            <a:r>
+              <a:rPr lang="en-US" b="0" dirty="0">
+                <a:effectLst/>
+                <a:latin typeface="Arial" panose="020B0604020202020204" pitchFamily="34" charset="0"/>
+                <a:cs typeface="Arial" panose="020B0604020202020204" pitchFamily="34" charset="0"/>
+              </a:rPr>
+              <a:t>Give template at start of MP instead of right before the deadline.</a:t>
+            </a:r>
+          </a:p>
+          <a:p>
             <a:endParaRPr lang="en-US" dirty="0"/>
           </a:p>
           <a:p>
